--- a/PrOH-Modeller/Pro-python/uploads/input_combined.pptx
+++ b/PrOH-Modeller/Pro-python/uploads/input_combined.pptx
@@ -3153,7 +3153,7 @@
               </a:defRPr>
             </a:pPr>
             <a:r>
-              <a:t>Customer produces order</a:t>
+              <a:t>supplier makes metal</a:t>
             </a:r>
           </a:p>
         </p:txBody>
@@ -3202,7 +3202,7 @@
               </a:defRPr>
             </a:pPr>
             <a:r>
-              <a:t>Customer</a:t>
+              <a:t>supplier</a:t>
             </a:r>
           </a:p>
         </p:txBody>
@@ -3251,7 +3251,7 @@
               </a:defRPr>
             </a:pPr>
             <a:r>
-              <a:t>Order (design), (material), (quantity)</a:t>
+              <a:t>metal</a:t>
             </a:r>
           </a:p>
         </p:txBody>
@@ -3300,7 +3300,7 @@
               </a:defRPr>
             </a:pPr>
             <a:r>
-              <a:t>Factory (Production manager) (operators)</a:t>
+              <a:t>manager</a:t>
             </a:r>
           </a:p>
         </p:txBody>
@@ -3349,7 +3349,7 @@
               </a:defRPr>
             </a:pPr>
             <a:r>
-              <a:t>Furniture</a:t>
+              <a:t>car</a:t>
             </a:r>
           </a:p>
         </p:txBody>
@@ -3398,7 +3398,7 @@
               </a:defRPr>
             </a:pPr>
             <a:r>
-              <a:t>Retailer</a:t>
+              <a:t>user drives car</a:t>
             </a:r>
           </a:p>
         </p:txBody>
@@ -3447,7 +3447,7 @@
               </a:defRPr>
             </a:pPr>
             <a:r>
-              <a:t>Retailer</a:t>
+              <a:t>user</a:t>
             </a:r>
           </a:p>
         </p:txBody>
@@ -3476,7 +3476,36 @@
           <a:p>
             <a:pPr algn="ctr"/>
             <a:r>
-              <a:t>produces</a:t>
+              <a:t>makes</a:t>
+            </a:r>
+          </a:p>
+        </p:txBody>
+      </p:sp>
+      <p:sp>
+        <p:nvSpPr>
+          <p:cNvPr id="11" name="TextBox 10"/>
+          <p:cNvSpPr txBox="1"/>
+          <p:nvPr/>
+        </p:nvSpPr>
+        <p:spPr>
+          <a:xfrm>
+            <a:off x="1371600" y="5943600"/>
+            <a:ext cx="914400" cy="457200"/>
+          </a:xfrm>
+          <a:prstGeom prst="rect">
+            <a:avLst/>
+          </a:prstGeom>
+          <a:noFill/>
+        </p:spPr>
+        <p:txBody>
+          <a:bodyPr wrap="none">
+            <a:spAutoFit/>
+          </a:bodyPr>
+          <a:lstStyle/>
+          <a:p>
+            <a:pPr algn="ctr"/>
+            <a:r>
+              <a:t>drives</a:t>
             </a:r>
           </a:p>
         </p:txBody>
@@ -3531,7 +3560,7 @@
             <a:avLst/>
           </a:prstGeom>
           <a:solidFill>
-            <a:srgbClr val="FF0000"/>
+            <a:srgbClr val="00FF00"/>
           </a:solidFill>
         </p:spPr>
         <p:style>
@@ -3560,7 +3589,7 @@
               </a:defRPr>
             </a:pPr>
             <a:r>
-              <a:t>Commercial Director</a:t>
+              <a:t>metal </a:t>
             </a:r>
           </a:p>
         </p:txBody>
@@ -3609,7 +3638,7 @@
               </a:defRPr>
             </a:pPr>
             <a:r>
-              <a:t>Commercial Director</a:t>
+              <a:t>engineer</a:t>
             </a:r>
           </a:p>
         </p:txBody>
@@ -3658,7 +3687,7 @@
               </a:defRPr>
             </a:pPr>
             <a:r>
-              <a:t>Rejection Notification</a:t>
+              <a:t>parts</a:t>
             </a:r>
           </a:p>
         </p:txBody>
@@ -3672,6 +3701,55 @@
         <p:spPr>
           <a:xfrm>
             <a:off x="5943600" y="914400"/>
+            <a:ext cx="1828800" cy="731520"/>
+          </a:xfrm>
+          <a:prstGeom prst="ellipse">
+            <a:avLst/>
+          </a:prstGeom>
+          <a:solidFill>
+            <a:srgbClr val="00FF00"/>
+          </a:solidFill>
+        </p:spPr>
+        <p:style>
+          <a:lnRef idx="1">
+            <a:schemeClr val="accent1"/>
+          </a:lnRef>
+          <a:fillRef idx="3">
+            <a:schemeClr val="accent1"/>
+          </a:fillRef>
+          <a:effectRef idx="2">
+            <a:schemeClr val="accent1"/>
+          </a:effectRef>
+          <a:fontRef idx="minor">
+            <a:schemeClr val="lt1"/>
+          </a:fontRef>
+        </p:style>
+        <p:txBody>
+          <a:bodyPr rtlCol="0" anchor="ctr"/>
+          <a:lstStyle/>
+          <a:p>
+            <a:pPr algn="ctr">
+              <a:defRPr sz="1800">
+                <a:solidFill>
+                  <a:srgbClr val="000000"/>
+                </a:solidFill>
+              </a:defRPr>
+            </a:pPr>
+            <a:r>
+              <a:t>parts</a:t>
+            </a:r>
+          </a:p>
+        </p:txBody>
+      </p:sp>
+      <p:sp>
+        <p:nvSpPr>
+          <p:cNvPr id="7" name="Oval 6"/>
+          <p:cNvSpPr/>
+          <p:nvPr/>
+        </p:nvSpPr>
+        <p:spPr>
+          <a:xfrm>
+            <a:off x="457200" y="1645920"/>
             <a:ext cx="1828800" cy="731520"/>
           </a:xfrm>
           <a:prstGeom prst="ellipse">
@@ -3707,20 +3785,20 @@
               </a:defRPr>
             </a:pPr>
             <a:r>
-              <a:t>Commercial Director</a:t>
-            </a:r>
-          </a:p>
-        </p:txBody>
-      </p:sp>
-      <p:sp>
-        <p:nvSpPr>
-          <p:cNvPr id="7" name="Oval 6"/>
+              <a:t>assembler </a:t>
+            </a:r>
+          </a:p>
+        </p:txBody>
+      </p:sp>
+      <p:sp>
+        <p:nvSpPr>
+          <p:cNvPr id="8" name="Oval 7"/>
           <p:cNvSpPr/>
           <p:nvPr/>
         </p:nvSpPr>
         <p:spPr>
           <a:xfrm>
-            <a:off x="457200" y="1645920"/>
+            <a:off x="2286000" y="1645920"/>
             <a:ext cx="1828800" cy="731520"/>
           </a:xfrm>
           <a:prstGeom prst="ellipse">
@@ -3756,20 +3834,69 @@
               </a:defRPr>
             </a:pPr>
             <a:r>
-              <a:t>works order</a:t>
-            </a:r>
-          </a:p>
-        </p:txBody>
-      </p:sp>
-      <p:sp>
-        <p:nvSpPr>
-          <p:cNvPr id="8" name="Oval 7"/>
+              <a:t>assemblies</a:t>
+            </a:r>
+          </a:p>
+        </p:txBody>
+      </p:sp>
+      <p:sp>
+        <p:nvSpPr>
+          <p:cNvPr id="9" name="Oval 8"/>
           <p:cNvSpPr/>
           <p:nvPr/>
         </p:nvSpPr>
         <p:spPr>
           <a:xfrm>
-            <a:off x="2286000" y="1645920"/>
+            <a:off x="4114800" y="1645920"/>
+            <a:ext cx="1828800" cy="731520"/>
+          </a:xfrm>
+          <a:prstGeom prst="ellipse">
+            <a:avLst/>
+          </a:prstGeom>
+          <a:solidFill>
+            <a:srgbClr val="00FF00"/>
+          </a:solidFill>
+        </p:spPr>
+        <p:style>
+          <a:lnRef idx="1">
+            <a:schemeClr val="accent1"/>
+          </a:lnRef>
+          <a:fillRef idx="3">
+            <a:schemeClr val="accent1"/>
+          </a:fillRef>
+          <a:effectRef idx="2">
+            <a:schemeClr val="accent1"/>
+          </a:effectRef>
+          <a:fontRef idx="minor">
+            <a:schemeClr val="lt1"/>
+          </a:fontRef>
+        </p:style>
+        <p:txBody>
+          <a:bodyPr rtlCol="0" anchor="ctr"/>
+          <a:lstStyle/>
+          <a:p>
+            <a:pPr algn="ctr">
+              <a:defRPr sz="1800">
+                <a:solidFill>
+                  <a:srgbClr val="000000"/>
+                </a:solidFill>
+              </a:defRPr>
+            </a:pPr>
+            <a:r>
+              <a:t>assemblies</a:t>
+            </a:r>
+          </a:p>
+        </p:txBody>
+      </p:sp>
+      <p:sp>
+        <p:nvSpPr>
+          <p:cNvPr id="10" name="Oval 9"/>
+          <p:cNvSpPr/>
+          <p:nvPr/>
+        </p:nvSpPr>
+        <p:spPr>
+          <a:xfrm>
+            <a:off x="5943600" y="1645920"/>
             <a:ext cx="1828800" cy="731520"/>
           </a:xfrm>
           <a:prstGeom prst="ellipse">
@@ -3805,7 +3932,7 @@
               </a:defRPr>
             </a:pPr>
             <a:r>
-              <a:t>Production manager</a:t>
+              <a:t>owner</a:t>
             </a:r>
           </a:p>
         </p:txBody>
@@ -3897,7 +4024,7 @@
               </a:defRPr>
             </a:pPr>
             <a:r>
-              <a:t>material</a:t>
+              <a:t>good</a:t>
             </a:r>
           </a:p>
         </p:txBody>
@@ -3954,520 +4081,7 @@
               </a:defRPr>
             </a:pPr>
             <a:r>
-              <a:t>reject</a:t>
-            </a:r>
-          </a:p>
-        </p:txBody>
-      </p:sp>
-      <p:sp>
-        <p:nvSpPr>
-          <p:cNvPr id="5" name="Oval 4"/>
-          <p:cNvSpPr/>
-          <p:nvPr/>
-        </p:nvSpPr>
-        <p:spPr>
-          <a:xfrm>
-            <a:off x="5029200" y="914400"/>
-            <a:ext cx="2286000" cy="914400"/>
-          </a:xfrm>
-          <a:prstGeom prst="ellipse">
-            <a:avLst/>
-          </a:prstGeom>
-          <a:solidFill>
-            <a:srgbClr val="FFFFFF"/>
-          </a:solidFill>
-          <a:ln w="19050">
-            <a:solidFill>
-              <a:srgbClr val="000000"/>
-            </a:solidFill>
-          </a:ln>
-        </p:spPr>
-        <p:style>
-          <a:lnRef idx="1">
-            <a:schemeClr val="accent1"/>
-          </a:lnRef>
-          <a:fillRef idx="3">
-            <a:schemeClr val="accent1"/>
-          </a:fillRef>
-          <a:effectRef idx="2">
-            <a:schemeClr val="accent1"/>
-          </a:effectRef>
-          <a:fontRef idx="minor">
-            <a:schemeClr val="lt1"/>
-          </a:fontRef>
-        </p:style>
-        <p:txBody>
-          <a:bodyPr rtlCol="0" anchor="ctr"/>
-          <a:lstStyle/>
-          <a:p>
-            <a:pPr algn="ctr"/>
-          </a:p>
-          <a:p>
-            <a:pPr algn="l">
-              <a:defRPr sz="1800">
-                <a:solidFill>
-                  <a:srgbClr val="000000"/>
-                </a:solidFill>
-              </a:defRPr>
-            </a:pPr>
-            <a:r>
-              <a:t>delivery time</a:t>
-            </a:r>
-          </a:p>
-        </p:txBody>
-      </p:sp>
-      <p:sp>
-        <p:nvSpPr>
-          <p:cNvPr id="6" name="Oval 5"/>
-          <p:cNvSpPr/>
-          <p:nvPr/>
-        </p:nvSpPr>
-        <p:spPr>
-          <a:xfrm>
-            <a:off x="457200" y="1828800"/>
-            <a:ext cx="2286000" cy="914400"/>
-          </a:xfrm>
-          <a:prstGeom prst="ellipse">
-            <a:avLst/>
-          </a:prstGeom>
-          <a:solidFill>
-            <a:srgbClr val="FFFFFF"/>
-          </a:solidFill>
-          <a:ln w="19050">
-            <a:solidFill>
-              <a:srgbClr val="000000"/>
-            </a:solidFill>
-          </a:ln>
-        </p:spPr>
-        <p:style>
-          <a:lnRef idx="1">
-            <a:schemeClr val="accent1"/>
-          </a:lnRef>
-          <a:fillRef idx="3">
-            <a:schemeClr val="accent1"/>
-          </a:fillRef>
-          <a:effectRef idx="2">
-            <a:schemeClr val="accent1"/>
-          </a:effectRef>
-          <a:fontRef idx="minor">
-            <a:schemeClr val="lt1"/>
-          </a:fontRef>
-        </p:style>
-        <p:txBody>
-          <a:bodyPr rtlCol="0" anchor="ctr"/>
-          <a:lstStyle/>
-          <a:p>
-            <a:pPr algn="ctr"/>
-          </a:p>
-          <a:p>
-            <a:pPr algn="l">
-              <a:defRPr sz="1800">
-                <a:solidFill>
-                  <a:srgbClr val="000000"/>
-                </a:solidFill>
-              </a:defRPr>
-            </a:pPr>
-            <a:r>
-              <a:t>accept</a:t>
-            </a:r>
-          </a:p>
-        </p:txBody>
-      </p:sp>
-      <p:sp>
-        <p:nvSpPr>
-          <p:cNvPr id="7" name="Oval 6"/>
-          <p:cNvSpPr/>
-          <p:nvPr/>
-        </p:nvSpPr>
-        <p:spPr>
-          <a:xfrm>
-            <a:off x="2743200" y="1828800"/>
-            <a:ext cx="2286000" cy="914400"/>
-          </a:xfrm>
-          <a:prstGeom prst="ellipse">
-            <a:avLst/>
-          </a:prstGeom>
-          <a:solidFill>
-            <a:srgbClr val="FFFFFF"/>
-          </a:solidFill>
-          <a:ln w="19050">
-            <a:solidFill>
-              <a:srgbClr val="000000"/>
-            </a:solidFill>
-          </a:ln>
-        </p:spPr>
-        <p:style>
-          <a:lnRef idx="1">
-            <a:schemeClr val="accent1"/>
-          </a:lnRef>
-          <a:fillRef idx="3">
-            <a:schemeClr val="accent1"/>
-          </a:fillRef>
-          <a:effectRef idx="2">
-            <a:schemeClr val="accent1"/>
-          </a:effectRef>
-          <a:fontRef idx="minor">
-            <a:schemeClr val="lt1"/>
-          </a:fontRef>
-        </p:style>
-        <p:txBody>
-          <a:bodyPr rtlCol="0" anchor="ctr"/>
-          <a:lstStyle/>
-          <a:p>
-            <a:pPr algn="ctr"/>
-          </a:p>
-          <a:p>
-            <a:pPr algn="l">
-              <a:defRPr sz="1800">
-                <a:solidFill>
-                  <a:srgbClr val="000000"/>
-                </a:solidFill>
-              </a:defRPr>
-            </a:pPr>
-            <a:r>
-              <a:t>capacity</a:t>
-            </a:r>
-          </a:p>
-        </p:txBody>
-      </p:sp>
-      <p:sp>
-        <p:nvSpPr>
-          <p:cNvPr id="8" name="Oval 7"/>
-          <p:cNvSpPr/>
-          <p:nvPr/>
-        </p:nvSpPr>
-        <p:spPr>
-          <a:xfrm>
-            <a:off x="5029200" y="1828800"/>
-            <a:ext cx="2286000" cy="914400"/>
-          </a:xfrm>
-          <a:prstGeom prst="ellipse">
-            <a:avLst/>
-          </a:prstGeom>
-          <a:solidFill>
-            <a:srgbClr val="FFFFFF"/>
-          </a:solidFill>
-          <a:ln w="19050">
-            <a:solidFill>
-              <a:srgbClr val="000000"/>
-            </a:solidFill>
-          </a:ln>
-        </p:spPr>
-        <p:style>
-          <a:lnRef idx="1">
-            <a:schemeClr val="accent1"/>
-          </a:lnRef>
-          <a:fillRef idx="3">
-            <a:schemeClr val="accent1"/>
-          </a:fillRef>
-          <a:effectRef idx="2">
-            <a:schemeClr val="accent1"/>
-          </a:effectRef>
-          <a:fontRef idx="minor">
-            <a:schemeClr val="lt1"/>
-          </a:fontRef>
-        </p:style>
-        <p:txBody>
-          <a:bodyPr rtlCol="0" anchor="ctr"/>
-          <a:lstStyle/>
-          <a:p>
-            <a:pPr algn="ctr"/>
-          </a:p>
-          <a:p>
-            <a:pPr algn="l">
-              <a:defRPr sz="1800">
-                <a:solidFill>
-                  <a:srgbClr val="000000"/>
-                </a:solidFill>
-              </a:defRPr>
-            </a:pPr>
-            <a:r>
-              <a:t>Accept</a:t>
-            </a:r>
-          </a:p>
-        </p:txBody>
-      </p:sp>
-      <p:sp>
-        <p:nvSpPr>
-          <p:cNvPr id="9" name="Oval 8"/>
-          <p:cNvSpPr/>
-          <p:nvPr/>
-        </p:nvSpPr>
-        <p:spPr>
-          <a:xfrm>
-            <a:off x="457200" y="2743200"/>
-            <a:ext cx="2286000" cy="914400"/>
-          </a:xfrm>
-          <a:prstGeom prst="ellipse">
-            <a:avLst/>
-          </a:prstGeom>
-          <a:solidFill>
-            <a:srgbClr val="FFFFFF"/>
-          </a:solidFill>
-          <a:ln w="19050">
-            <a:solidFill>
-              <a:srgbClr val="000000"/>
-            </a:solidFill>
-          </a:ln>
-        </p:spPr>
-        <p:style>
-          <a:lnRef idx="1">
-            <a:schemeClr val="accent1"/>
-          </a:lnRef>
-          <a:fillRef idx="3">
-            <a:schemeClr val="accent1"/>
-          </a:fillRef>
-          <a:effectRef idx="2">
-            <a:schemeClr val="accent1"/>
-          </a:effectRef>
-          <a:fontRef idx="minor">
-            <a:schemeClr val="lt1"/>
-          </a:fontRef>
-        </p:style>
-        <p:txBody>
-          <a:bodyPr rtlCol="0" anchor="ctr"/>
-          <a:lstStyle/>
-          <a:p>
-            <a:pPr algn="ctr"/>
-          </a:p>
-          <a:p>
-            <a:pPr algn="l">
-              <a:defRPr sz="1800">
-                <a:solidFill>
-                  <a:srgbClr val="000000"/>
-                </a:solidFill>
-              </a:defRPr>
-            </a:pPr>
-            <a:r>
-              <a:t>design</a:t>
-            </a:r>
-          </a:p>
-        </p:txBody>
-      </p:sp>
-      <p:sp>
-        <p:nvSpPr>
-          <p:cNvPr id="10" name="Oval 9"/>
-          <p:cNvSpPr/>
-          <p:nvPr/>
-        </p:nvSpPr>
-        <p:spPr>
-          <a:xfrm>
-            <a:off x="2743200" y="2743200"/>
-            <a:ext cx="2286000" cy="914400"/>
-          </a:xfrm>
-          <a:prstGeom prst="ellipse">
-            <a:avLst/>
-          </a:prstGeom>
-          <a:solidFill>
-            <a:srgbClr val="FFFFFF"/>
-          </a:solidFill>
-          <a:ln w="19050">
-            <a:solidFill>
-              <a:srgbClr val="000000"/>
-            </a:solidFill>
-          </a:ln>
-        </p:spPr>
-        <p:style>
-          <a:lnRef idx="1">
-            <a:schemeClr val="accent1"/>
-          </a:lnRef>
-          <a:fillRef idx="3">
-            <a:schemeClr val="accent1"/>
-          </a:fillRef>
-          <a:effectRef idx="2">
-            <a:schemeClr val="accent1"/>
-          </a:effectRef>
-          <a:fontRef idx="minor">
-            <a:schemeClr val="lt1"/>
-          </a:fontRef>
-        </p:style>
-        <p:txBody>
-          <a:bodyPr rtlCol="0" anchor="ctr"/>
-          <a:lstStyle/>
-          <a:p>
-            <a:pPr algn="ctr"/>
-          </a:p>
-          <a:p>
-            <a:pPr algn="l">
-              <a:defRPr sz="1800">
-                <a:solidFill>
-                  <a:srgbClr val="000000"/>
-                </a:solidFill>
-              </a:defRPr>
-            </a:pPr>
-            <a:r>
-              <a:t>Production manager</a:t>
-            </a:r>
-          </a:p>
-        </p:txBody>
-      </p:sp>
-      <p:sp>
-        <p:nvSpPr>
-          <p:cNvPr id="11" name="Oval 10"/>
-          <p:cNvSpPr/>
-          <p:nvPr/>
-        </p:nvSpPr>
-        <p:spPr>
-          <a:xfrm>
-            <a:off x="5029200" y="2743200"/>
-            <a:ext cx="2286000" cy="914400"/>
-          </a:xfrm>
-          <a:prstGeom prst="ellipse">
-            <a:avLst/>
-          </a:prstGeom>
-          <a:solidFill>
-            <a:srgbClr val="FFFFFF"/>
-          </a:solidFill>
-          <a:ln w="19050">
-            <a:solidFill>
-              <a:srgbClr val="000000"/>
-            </a:solidFill>
-          </a:ln>
-        </p:spPr>
-        <p:style>
-          <a:lnRef idx="1">
-            <a:schemeClr val="accent1"/>
-          </a:lnRef>
-          <a:fillRef idx="3">
-            <a:schemeClr val="accent1"/>
-          </a:fillRef>
-          <a:effectRef idx="2">
-            <a:schemeClr val="accent1"/>
-          </a:effectRef>
-          <a:fontRef idx="minor">
-            <a:schemeClr val="lt1"/>
-          </a:fontRef>
-        </p:style>
-        <p:txBody>
-          <a:bodyPr rtlCol="0" anchor="ctr"/>
-          <a:lstStyle/>
-          <a:p>
-            <a:pPr algn="ctr"/>
-          </a:p>
-          <a:p>
-            <a:pPr algn="l">
-              <a:defRPr sz="1800">
-                <a:solidFill>
-                  <a:srgbClr val="000000"/>
-                </a:solidFill>
-              </a:defRPr>
-            </a:pPr>
-            <a:r>
-              <a:t>operators</a:t>
-            </a:r>
-          </a:p>
-        </p:txBody>
-      </p:sp>
-      <p:sp>
-        <p:nvSpPr>
-          <p:cNvPr id="12" name="Oval 11"/>
-          <p:cNvSpPr/>
-          <p:nvPr/>
-        </p:nvSpPr>
-        <p:spPr>
-          <a:xfrm>
-            <a:off x="457200" y="3657600"/>
-            <a:ext cx="2286000" cy="914400"/>
-          </a:xfrm>
-          <a:prstGeom prst="ellipse">
-            <a:avLst/>
-          </a:prstGeom>
-          <a:solidFill>
-            <a:srgbClr val="FFFFFF"/>
-          </a:solidFill>
-          <a:ln w="19050">
-            <a:solidFill>
-              <a:srgbClr val="000000"/>
-            </a:solidFill>
-          </a:ln>
-        </p:spPr>
-        <p:style>
-          <a:lnRef idx="1">
-            <a:schemeClr val="accent1"/>
-          </a:lnRef>
-          <a:fillRef idx="3">
-            <a:schemeClr val="accent1"/>
-          </a:fillRef>
-          <a:effectRef idx="2">
-            <a:schemeClr val="accent1"/>
-          </a:effectRef>
-          <a:fontRef idx="minor">
-            <a:schemeClr val="lt1"/>
-          </a:fontRef>
-        </p:style>
-        <p:txBody>
-          <a:bodyPr rtlCol="0" anchor="ctr"/>
-          <a:lstStyle/>
-          <a:p>
-            <a:pPr algn="ctr"/>
-          </a:p>
-          <a:p>
-            <a:pPr algn="l">
-              <a:defRPr sz="1800">
-                <a:solidFill>
-                  <a:srgbClr val="000000"/>
-                </a:solidFill>
-              </a:defRPr>
-            </a:pPr>
-            <a:r>
-              <a:t>agreed delivery time</a:t>
-            </a:r>
-          </a:p>
-        </p:txBody>
-      </p:sp>
-      <p:sp>
-        <p:nvSpPr>
-          <p:cNvPr id="13" name="Oval 12"/>
-          <p:cNvSpPr/>
-          <p:nvPr/>
-        </p:nvSpPr>
-        <p:spPr>
-          <a:xfrm>
-            <a:off x="2743200" y="3657600"/>
-            <a:ext cx="2286000" cy="914400"/>
-          </a:xfrm>
-          <a:prstGeom prst="ellipse">
-            <a:avLst/>
-          </a:prstGeom>
-          <a:solidFill>
-            <a:srgbClr val="FFFFFF"/>
-          </a:solidFill>
-          <a:ln w="19050">
-            <a:solidFill>
-              <a:srgbClr val="000000"/>
-            </a:solidFill>
-          </a:ln>
-        </p:spPr>
-        <p:style>
-          <a:lnRef idx="1">
-            <a:schemeClr val="accent1"/>
-          </a:lnRef>
-          <a:fillRef idx="3">
-            <a:schemeClr val="accent1"/>
-          </a:fillRef>
-          <a:effectRef idx="2">
-            <a:schemeClr val="accent1"/>
-          </a:effectRef>
-          <a:fontRef idx="minor">
-            <a:schemeClr val="lt1"/>
-          </a:fontRef>
-        </p:style>
-        <p:txBody>
-          <a:bodyPr rtlCol="0" anchor="ctr"/>
-          <a:lstStyle/>
-          <a:p>
-            <a:pPr algn="ctr"/>
-          </a:p>
-          <a:p>
-            <a:pPr algn="l">
-              <a:defRPr sz="1800">
-                <a:solidFill>
-                  <a:srgbClr val="000000"/>
-                </a:solidFill>
-              </a:defRPr>
-            </a:pPr>
-            <a:r>
-              <a:t>quantity</a:t>
+              <a:t>bad</a:t>
             </a:r>
           </a:p>
         </p:txBody>
@@ -4560,7 +4174,7 @@
               </a:defRPr>
             </a:pPr>
             <a:r>
-              <a:t>Bid decision</a:t>
+              <a:t>Quality</a:t>
             </a:r>
           </a:p>
         </p:txBody>
@@ -4617,7 +4231,7 @@
               </a:defRPr>
             </a:pPr>
             <a:r>
-              <a:t>reject</a:t>
+              <a:t>good</a:t>
             </a:r>
           </a:p>
         </p:txBody>
@@ -4675,7 +4289,7 @@
               </a:defRPr>
             </a:pPr>
             <a:r>
-              <a:t>Bid decision</a:t>
+              <a:t>Quality</a:t>
             </a:r>
           </a:p>
         </p:txBody>
@@ -4732,7 +4346,7 @@
               </a:defRPr>
             </a:pPr>
             <a:r>
-              <a:t>accept</a:t>
+              <a:t>bad</a:t>
             </a:r>
           </a:p>
         </p:txBody>
@@ -4796,210 +4410,7 @@
           <a:p>
             <a:pPr algn="ctr"/>
             <a:r>
-              <a:t>Production success factors (agreed delivery time) (capacity)</a:t>
-            </a:r>
-          </a:p>
-        </p:txBody>
-      </p:sp>
-      <p:sp>
-        <p:nvSpPr>
-          <p:cNvPr id="4" name="TextBox 3"/>
-          <p:cNvSpPr txBox="1"/>
-          <p:nvPr/>
-        </p:nvSpPr>
-        <p:spPr>
-          <a:xfrm>
-            <a:off x="1828800" y="914400"/>
-            <a:ext cx="1371600" cy="457200"/>
-          </a:xfrm>
-          <a:prstGeom prst="rect">
-            <a:avLst/>
-          </a:prstGeom>
-          <a:noFill/>
-        </p:spPr>
-        <p:txBody>
-          <a:bodyPr wrap="none">
-            <a:spAutoFit/>
-          </a:bodyPr>
-          <a:lstStyle/>
-          <a:p>
-            <a:pPr algn="ctr"/>
-            <a:r>
-              <a:t>evaluates order specification to finalise bid decision (accept), (reject)</a:t>
-            </a:r>
-          </a:p>
-        </p:txBody>
-      </p:sp>
-      <p:sp>
-        <p:nvSpPr>
-          <p:cNvPr id="5" name="TextBox 4"/>
-          <p:cNvSpPr txBox="1"/>
-          <p:nvPr/>
-        </p:nvSpPr>
-        <p:spPr>
-          <a:xfrm>
-            <a:off x="3200400" y="914400"/>
-            <a:ext cx="1371600" cy="457200"/>
-          </a:xfrm>
-          <a:prstGeom prst="rect">
-            <a:avLst/>
-          </a:prstGeom>
-          <a:noFill/>
-        </p:spPr>
-        <p:txBody>
-          <a:bodyPr wrap="none">
-            <a:spAutoFit/>
-          </a:bodyPr>
-          <a:lstStyle/>
-          <a:p>
-            <a:pPr algn="ctr"/>
-            <a:r>
-              <a:t>OR: Bid decision (reject)</a:t>
-            </a:r>
-          </a:p>
-        </p:txBody>
-      </p:sp>
-      <p:sp>
-        <p:nvSpPr>
-          <p:cNvPr id="6" name="TextBox 5"/>
-          <p:cNvSpPr txBox="1"/>
-          <p:nvPr/>
-        </p:nvSpPr>
-        <p:spPr>
-          <a:xfrm>
-            <a:off x="4572000" y="914400"/>
-            <a:ext cx="1371600" cy="457200"/>
-          </a:xfrm>
-          <a:prstGeom prst="rect">
-            <a:avLst/>
-          </a:prstGeom>
-          <a:noFill/>
-        </p:spPr>
-        <p:txBody>
-          <a:bodyPr wrap="none">
-            <a:spAutoFit/>
-          </a:bodyPr>
-          <a:lstStyle/>
-          <a:p>
-            <a:pPr algn="ctr"/>
-            <a:r>
-              <a:t>OR: Bid decision (accept)</a:t>
-            </a:r>
-          </a:p>
-        </p:txBody>
-      </p:sp>
-      <p:sp>
-        <p:nvSpPr>
-          <p:cNvPr id="7" name="TextBox 6"/>
-          <p:cNvSpPr txBox="1"/>
-          <p:nvPr/>
-        </p:nvSpPr>
-        <p:spPr>
-          <a:xfrm>
-            <a:off x="5943600" y="914400"/>
-            <a:ext cx="1371600" cy="457200"/>
-          </a:xfrm>
-          <a:prstGeom prst="rect">
-            <a:avLst/>
-          </a:prstGeom>
-          <a:noFill/>
-        </p:spPr>
-        <p:txBody>
-          <a:bodyPr wrap="none">
-            <a:spAutoFit/>
-          </a:bodyPr>
-          <a:lstStyle/>
-          <a:p>
-            <a:pPr algn="ctr"/>
-            <a:r>
-              <a:t>Creates a Rejection Notification</a:t>
-            </a:r>
-          </a:p>
-        </p:txBody>
-      </p:sp>
-      <p:sp>
-        <p:nvSpPr>
-          <p:cNvPr id="8" name="TextBox 7"/>
-          <p:cNvSpPr txBox="1"/>
-          <p:nvPr/>
-        </p:nvSpPr>
-        <p:spPr>
-          <a:xfrm>
-            <a:off x="7315200" y="914400"/>
-            <a:ext cx="1371600" cy="457200"/>
-          </a:xfrm>
-          <a:prstGeom prst="rect">
-            <a:avLst/>
-          </a:prstGeom>
-          <a:noFill/>
-        </p:spPr>
-        <p:txBody>
-          <a:bodyPr wrap="none">
-            <a:spAutoFit/>
-          </a:bodyPr>
-          <a:lstStyle/>
-          <a:p>
-            <a:pPr algn="ctr"/>
-            <a:r>
-              <a:t>Creates a works order</a:t>
-            </a:r>
-          </a:p>
-        </p:txBody>
-      </p:sp>
-      <p:sp>
-        <p:nvSpPr>
-          <p:cNvPr id="9" name="TextBox 8"/>
-          <p:cNvSpPr txBox="1"/>
-          <p:nvPr/>
-        </p:nvSpPr>
-        <p:spPr>
-          <a:xfrm>
-            <a:off x="457200" y="1371600"/>
-            <a:ext cx="1371600" cy="457200"/>
-          </a:xfrm>
-          <a:prstGeom prst="rect">
-            <a:avLst/>
-          </a:prstGeom>
-          <a:noFill/>
-        </p:spPr>
-        <p:txBody>
-          <a:bodyPr wrap="none">
-            <a:spAutoFit/>
-          </a:bodyPr>
-          <a:lstStyle/>
-          <a:p>
-            <a:pPr algn="ctr"/>
-            <a:r>
-              <a:t>Production success factors (agreed delivery time), (capacity)</a:t>
-            </a:r>
-          </a:p>
-        </p:txBody>
-      </p:sp>
-      <p:sp>
-        <p:nvSpPr>
-          <p:cNvPr id="10" name="TextBox 9"/>
-          <p:cNvSpPr txBox="1"/>
-          <p:nvPr/>
-        </p:nvSpPr>
-        <p:spPr>
-          <a:xfrm>
-            <a:off x="1828800" y="1371600"/>
-            <a:ext cx="1371600" cy="457200"/>
-          </a:xfrm>
-          <a:prstGeom prst="rect">
-            <a:avLst/>
-          </a:prstGeom>
-          <a:noFill/>
-        </p:spPr>
-        <p:txBody>
-          <a:bodyPr wrap="none">
-            <a:spAutoFit/>
-          </a:bodyPr>
-          <a:lstStyle/>
-          <a:p>
-            <a:pPr algn="ctr"/>
-            <a:r>
-              <a:t>discusses production success factors (agreed delivery time), (capacity) to customer</a:t>
+              <a:t>puts  together</a:t>
             </a:r>
           </a:p>
         </p:txBody>
